--- a/Presentation_AP_Project.pptx
+++ b/Presentation_AP_Project.pptx
@@ -7588,6 +7588,38 @@
             </a:r>
             <a:endParaRPr/>
           </a:p>
+          <a:p>
+            <a:pPr indent="0" lvl="0" marL="0" rtl="0" algn="l">
+              <a:spcBef>
+                <a:spcPts val="0"/>
+              </a:spcBef>
+              <a:spcAft>
+                <a:spcPts val="0"/>
+              </a:spcAft>
+              <a:buNone/>
+            </a:pPr>
+            <a:r>
+              <a:rPr lang="en"/>
+              <a:t>			&amp;</a:t>
+            </a:r>
+            <a:endParaRPr/>
+          </a:p>
+          <a:p>
+            <a:pPr indent="0" lvl="0" marL="0" rtl="0" algn="l">
+              <a:spcBef>
+                <a:spcPts val="0"/>
+              </a:spcBef>
+              <a:spcAft>
+                <a:spcPts val="0"/>
+              </a:spcAft>
+              <a:buNone/>
+            </a:pPr>
+            <a:r>
+              <a:rPr lang="en"/>
+              <a:t>Learning Experiences</a:t>
+            </a:r>
+            <a:endParaRPr/>
+          </a:p>
         </p:txBody>
       </p:sp>
       <p:sp>
@@ -7601,7 +7633,7 @@
         <p:spPr>
           <a:xfrm>
             <a:off x="4644675" y="500925"/>
-            <a:ext cx="4166400" cy="4098600"/>
+            <a:ext cx="4166400" cy="4642500"/>
           </a:xfrm>
           <a:prstGeom prst="rect">
             <a:avLst/>
@@ -7646,19 +7678,17 @@
             <a:endParaRPr/>
           </a:p>
           <a:p>
-            <a:pPr indent="-311150" lvl="0" marL="457200" rtl="0" algn="l">
-              <a:spcBef>
-                <a:spcPts val="0"/>
-              </a:spcBef>
-              <a:spcAft>
-                <a:spcPts val="0"/>
-              </a:spcAft>
-              <a:buSzPts val="1300"/>
-              <a:buAutoNum type="arabicPeriod"/>
+            <a:pPr indent="0" lvl="0" marL="457200" rtl="0" algn="l">
+              <a:spcBef>
+                <a:spcPts val="1600"/>
+              </a:spcBef>
+              <a:spcAft>
+                <a:spcPts val="0"/>
+              </a:spcAft>
+              <a:buNone/>
             </a:pPr>
             <a:r>
-              <a:rPr lang="en"/>
-              <a:t>FXML and Controllers.</a:t>
+              <a:t/>
             </a:r>
             <a:endParaRPr/>
           </a:p>
@@ -7706,7 +7736,131 @@
             </a:pPr>
             <a:r>
               <a:rPr lang="en"/>
-              <a:t>2. 	Functions for various GUI movemen</a:t>
+              <a:t>Learning Experiences </a:t>
+            </a:r>
+            <a:endParaRPr/>
+          </a:p>
+          <a:p>
+            <a:pPr indent="0" lvl="0" marL="0" rtl="0" algn="l">
+              <a:spcBef>
+                <a:spcPts val="1600"/>
+              </a:spcBef>
+              <a:spcAft>
+                <a:spcPts val="0"/>
+              </a:spcAft>
+              <a:buNone/>
+            </a:pPr>
+            <a:r>
+              <a:rPr lang="en"/>
+              <a:t># Got to learn how to manage GIT version controls.</a:t>
+            </a:r>
+            <a:endParaRPr/>
+          </a:p>
+          <a:p>
+            <a:pPr indent="0" lvl="0" marL="0" rtl="0" algn="l">
+              <a:spcBef>
+                <a:spcPts val="1600"/>
+              </a:spcBef>
+              <a:spcAft>
+                <a:spcPts val="0"/>
+              </a:spcAft>
+              <a:buNone/>
+            </a:pPr>
+            <a:r>
+              <a:rPr lang="en"/>
+              <a:t>#Dealt with moveable GUI </a:t>
+            </a:r>
+            <a:endParaRPr/>
+          </a:p>
+          <a:p>
+            <a:pPr indent="0" lvl="0" marL="0" rtl="0" algn="l">
+              <a:spcBef>
+                <a:spcPts val="1600"/>
+              </a:spcBef>
+              <a:spcAft>
+                <a:spcPts val="0"/>
+              </a:spcAft>
+              <a:buNone/>
+            </a:pPr>
+            <a:r>
+              <a:rPr lang="en"/>
+              <a:t>#Learned the importance of Java Docs.</a:t>
+            </a:r>
+            <a:endParaRPr/>
+          </a:p>
+          <a:p>
+            <a:pPr indent="0" lvl="0" marL="0" rtl="0" algn="l">
+              <a:spcBef>
+                <a:spcPts val="1600"/>
+              </a:spcBef>
+              <a:spcAft>
+                <a:spcPts val="0"/>
+              </a:spcAft>
+              <a:buNone/>
+            </a:pPr>
+            <a:r>
+              <a:rPr lang="en"/>
+              <a:t>#How to use controllers in Java.</a:t>
+            </a:r>
+            <a:endParaRPr/>
+          </a:p>
+          <a:p>
+            <a:pPr indent="0" lvl="0" marL="0" rtl="0" algn="l">
+              <a:spcBef>
+                <a:spcPts val="1600"/>
+              </a:spcBef>
+              <a:spcAft>
+                <a:spcPts val="0"/>
+              </a:spcAft>
+              <a:buNone/>
+            </a:pPr>
+            <a:r>
+              <a:t/>
+            </a:r>
+            <a:endParaRPr/>
+          </a:p>
+          <a:p>
+            <a:pPr indent="0" lvl="0" marL="0" rtl="0" algn="l">
+              <a:spcBef>
+                <a:spcPts val="1600"/>
+              </a:spcBef>
+              <a:spcAft>
+                <a:spcPts val="0"/>
+              </a:spcAft>
+              <a:buNone/>
+            </a:pPr>
+            <a:r>
+              <a:t/>
+            </a:r>
+            <a:endParaRPr/>
+          </a:p>
+          <a:p>
+            <a:pPr indent="0" lvl="0" marL="0" rtl="0" algn="l">
+              <a:spcBef>
+                <a:spcPts val="1600"/>
+              </a:spcBef>
+              <a:spcAft>
+                <a:spcPts val="0"/>
+              </a:spcAft>
+              <a:buNone/>
+            </a:pPr>
+            <a:r>
+              <a:t/>
+            </a:r>
+            <a:endParaRPr/>
+          </a:p>
+          <a:p>
+            <a:pPr indent="0" lvl="0" marL="0" rtl="0" algn="l">
+              <a:spcBef>
+                <a:spcPts val="1600"/>
+              </a:spcBef>
+              <a:spcAft>
+                <a:spcPts val="0"/>
+              </a:spcAft>
+              <a:buNone/>
+            </a:pPr>
+            <a:r>
+              <a:t/>
             </a:r>
             <a:endParaRPr/>
           </a:p>

--- a/Presentation_AP_Project.pptx
+++ b/Presentation_AP_Project.pptx
@@ -8045,7 +8045,7 @@
                 <a:spcPts val="1600"/>
               </a:spcBef>
               <a:spcAft>
-                <a:spcPts val="1600"/>
+                <a:spcPts val="0"/>
               </a:spcAft>
               <a:buNone/>
             </a:pPr>
@@ -8054,6 +8054,54 @@
               <a:t>THANK YOU</a:t>
             </a:r>
             <a:endParaRPr sz="3000"/>
+          </a:p>
+          <a:p>
+            <a:pPr indent="0" lvl="0" marL="0" rtl="0" algn="l">
+              <a:spcBef>
+                <a:spcPts val="1600"/>
+              </a:spcBef>
+              <a:spcAft>
+                <a:spcPts val="0"/>
+              </a:spcAft>
+              <a:buNone/>
+            </a:pPr>
+            <a:r>
+              <a:rPr lang="en" sz="1400"/>
+              <a:t>MADE BY-</a:t>
+            </a:r>
+            <a:endParaRPr sz="1400"/>
+          </a:p>
+          <a:p>
+            <a:pPr indent="457200" lvl="0" marL="0" rtl="0" algn="l">
+              <a:spcBef>
+                <a:spcPts val="1600"/>
+              </a:spcBef>
+              <a:spcAft>
+                <a:spcPts val="0"/>
+              </a:spcAft>
+              <a:buNone/>
+            </a:pPr>
+            <a:r>
+              <a:rPr lang="en" sz="1400"/>
+              <a:t>SUSHANT VERMA</a:t>
+            </a:r>
+            <a:endParaRPr sz="1400"/>
+          </a:p>
+          <a:p>
+            <a:pPr indent="457200" lvl="0" marL="0" rtl="0" algn="l">
+              <a:spcBef>
+                <a:spcPts val="1600"/>
+              </a:spcBef>
+              <a:spcAft>
+                <a:spcPts val="1600"/>
+              </a:spcAft>
+              <a:buNone/>
+            </a:pPr>
+            <a:r>
+              <a:rPr lang="en" sz="1400"/>
+              <a:t>MADHAV SAINANEE</a:t>
+            </a:r>
+            <a:endParaRPr sz="1400"/>
           </a:p>
         </p:txBody>
       </p:sp>
